--- a/demo.pptx
+++ b/demo.pptx
@@ -10709,11 +10709,7 @@
             </a:r>
             <a:r>
               <a:rPr lang="en-ZA" dirty="0" smtClean="0"/>
-              <a:t>Old</a:t>
-            </a:r>
-            <a:r>
-              <a:rPr lang="en-ZA" dirty="0" smtClean="0"/>
-              <a:t> </a:t>
+              <a:t>Old </a:t>
             </a:r>
             <a:r>
               <a:rPr lang="en-ZA" dirty="0"/>
@@ -10903,9 +10899,54 @@
           <a:chExt cx="0" cy="0"/>
         </a:xfrm>
       </p:grpSpPr>
+      <p:sp>
+        <p:nvSpPr>
+          <p:cNvPr id="3" name="Subtitle 2"/>
+          <p:cNvSpPr>
+            <a:spLocks noGrp="1"/>
+          </p:cNvSpPr>
+          <p:nvPr>
+            <p:ph type="subTitle" idx="44"/>
+          </p:nvPr>
+        </p:nvSpPr>
+        <p:spPr/>
+        <p:txBody>
+          <a:bodyPr/>
+          <a:lstStyle/>
+          <a:p>
+            <a:r>
+              <a:rPr lang="en-US" dirty="0" smtClean="0"/>
+              <a:t>Release Pipelines</a:t>
+            </a:r>
+            <a:endParaRPr lang="en-US" dirty="0"/>
+          </a:p>
+        </p:txBody>
+      </p:sp>
+      <p:sp>
+        <p:nvSpPr>
+          <p:cNvPr id="4" name="Title 3"/>
+          <p:cNvSpPr>
+            <a:spLocks noGrp="1"/>
+          </p:cNvSpPr>
+          <p:nvPr>
+            <p:ph type="title"/>
+          </p:nvPr>
+        </p:nvSpPr>
+        <p:spPr/>
+        <p:txBody>
+          <a:bodyPr/>
+          <a:lstStyle/>
+          <a:p>
+            <a:r>
+              <a:rPr lang="en-US" dirty="0"/>
+              <a:t>Passport: Releasing Bit By bit</a:t>
+            </a:r>
+          </a:p>
+        </p:txBody>
+      </p:sp>
       <p:pic>
         <p:nvPicPr>
-          <p:cNvPr id="5" name="Content Placeholder 4"/>
+          <p:cNvPr id="8" name="Content Placeholder 7"/>
           <p:cNvPicPr>
             <a:picLocks noGrp="1" noChangeAspect="1"/>
           </p:cNvPicPr>
@@ -10927,56 +10968,11 @@
         </p:blipFill>
         <p:spPr>
           <a:xfrm>
-            <a:off x="1108365" y="933450"/>
-            <a:ext cx="6060200" cy="3559175"/>
+            <a:off x="1831279" y="781812"/>
+            <a:ext cx="5266243" cy="3710813"/>
           </a:xfrm>
         </p:spPr>
       </p:pic>
-      <p:sp>
-        <p:nvSpPr>
-          <p:cNvPr id="3" name="Subtitle 2"/>
-          <p:cNvSpPr>
-            <a:spLocks noGrp="1"/>
-          </p:cNvSpPr>
-          <p:nvPr>
-            <p:ph type="subTitle" idx="44"/>
-          </p:nvPr>
-        </p:nvSpPr>
-        <p:spPr/>
-        <p:txBody>
-          <a:bodyPr/>
-          <a:lstStyle/>
-          <a:p>
-            <a:r>
-              <a:rPr lang="en-US" dirty="0" smtClean="0"/>
-              <a:t>Release Pipelines</a:t>
-            </a:r>
-            <a:endParaRPr lang="en-US" dirty="0"/>
-          </a:p>
-        </p:txBody>
-      </p:sp>
-      <p:sp>
-        <p:nvSpPr>
-          <p:cNvPr id="4" name="Title 3"/>
-          <p:cNvSpPr>
-            <a:spLocks noGrp="1"/>
-          </p:cNvSpPr>
-          <p:nvPr>
-            <p:ph type="title"/>
-          </p:nvPr>
-        </p:nvSpPr>
-        <p:spPr/>
-        <p:txBody>
-          <a:bodyPr/>
-          <a:lstStyle/>
-          <a:p>
-            <a:r>
-              <a:rPr lang="en-US" dirty="0"/>
-              <a:t>Passport: Releasing Bit By bit</a:t>
-            </a:r>
-          </a:p>
-        </p:txBody>
-      </p:sp>
     </p:spTree>
     <p:extLst>
       <p:ext uri="{BB962C8B-B14F-4D97-AF65-F5344CB8AC3E}">

--- a/demo.pptx
+++ b/demo.pptx
@@ -274,7 +274,7 @@
             <a:fld id="{E963EEA9-DA5E-4D71-9BAA-646DE63FC9EC}" type="datetimeFigureOut">
               <a:rPr lang="en-US" smtClean="0"/>
               <a:pPr/>
-              <a:t>6/14/2017</a:t>
+              <a:t>6/15/2017</a:t>
             </a:fld>
             <a:endParaRPr lang="en-US"/>
           </a:p>
@@ -441,7 +441,7 @@
             <a:fld id="{87CC9F57-8FB9-432D-8177-A8E1F7C10CFD}" type="datetimeFigureOut">
               <a:rPr lang="en-US" smtClean="0"/>
               <a:pPr/>
-              <a:t>6/14/2017</a:t>
+              <a:t>6/15/2017</a:t>
             </a:fld>
             <a:endParaRPr lang="en-US"/>
           </a:p>
@@ -10324,7 +10324,11 @@
           <a:p>
             <a:r>
               <a:rPr lang="en-GB" dirty="0" smtClean="0"/>
-              <a:t>How are we going to release Passport Reload?</a:t>
+              <a:t>How are we going to release Passport </a:t>
+            </a:r>
+            <a:r>
+              <a:rPr lang="en-GB" dirty="0" smtClean="0"/>
+              <a:t>Reloaded?</a:t>
             </a:r>
             <a:endParaRPr lang="en-GB" dirty="0"/>
           </a:p>
